--- a/figures/manuscript/chemodiversity/Figure_legend.pptx
+++ b/figures/manuscript/chemodiversity/Figure_legend.pptx
@@ -258,7 +258,7 @@
           <a:p>
             <a:fld id="{F73C5C09-D881-4E8C-AF96-8FF3BC27FFB4}" type="datetimeFigureOut">
               <a:rPr lang="en-US" smtClean="0"/>
-              <a:t>1/31/2021</a:t>
+              <a:t>6/2/2021</a:t>
             </a:fld>
             <a:endParaRPr lang="en-US"/>
           </a:p>
@@ -428,7 +428,7 @@
           <a:p>
             <a:fld id="{F73C5C09-D881-4E8C-AF96-8FF3BC27FFB4}" type="datetimeFigureOut">
               <a:rPr lang="en-US" smtClean="0"/>
-              <a:t>1/31/2021</a:t>
+              <a:t>6/2/2021</a:t>
             </a:fld>
             <a:endParaRPr lang="en-US"/>
           </a:p>
@@ -608,7 +608,7 @@
           <a:p>
             <a:fld id="{F73C5C09-D881-4E8C-AF96-8FF3BC27FFB4}" type="datetimeFigureOut">
               <a:rPr lang="en-US" smtClean="0"/>
-              <a:t>1/31/2021</a:t>
+              <a:t>6/2/2021</a:t>
             </a:fld>
             <a:endParaRPr lang="en-US"/>
           </a:p>
@@ -778,7 +778,7 @@
           <a:p>
             <a:fld id="{F73C5C09-D881-4E8C-AF96-8FF3BC27FFB4}" type="datetimeFigureOut">
               <a:rPr lang="en-US" smtClean="0"/>
-              <a:t>1/31/2021</a:t>
+              <a:t>6/2/2021</a:t>
             </a:fld>
             <a:endParaRPr lang="en-US"/>
           </a:p>
@@ -1022,7 +1022,7 @@
           <a:p>
             <a:fld id="{F73C5C09-D881-4E8C-AF96-8FF3BC27FFB4}" type="datetimeFigureOut">
               <a:rPr lang="en-US" smtClean="0"/>
-              <a:t>1/31/2021</a:t>
+              <a:t>6/2/2021</a:t>
             </a:fld>
             <a:endParaRPr lang="en-US"/>
           </a:p>
@@ -1254,7 +1254,7 @@
           <a:p>
             <a:fld id="{F73C5C09-D881-4E8C-AF96-8FF3BC27FFB4}" type="datetimeFigureOut">
               <a:rPr lang="en-US" smtClean="0"/>
-              <a:t>1/31/2021</a:t>
+              <a:t>6/2/2021</a:t>
             </a:fld>
             <a:endParaRPr lang="en-US"/>
           </a:p>
@@ -1621,7 +1621,7 @@
           <a:p>
             <a:fld id="{F73C5C09-D881-4E8C-AF96-8FF3BC27FFB4}" type="datetimeFigureOut">
               <a:rPr lang="en-US" smtClean="0"/>
-              <a:t>1/31/2021</a:t>
+              <a:t>6/2/2021</a:t>
             </a:fld>
             <a:endParaRPr lang="en-US"/>
           </a:p>
@@ -1739,7 +1739,7 @@
           <a:p>
             <a:fld id="{F73C5C09-D881-4E8C-AF96-8FF3BC27FFB4}" type="datetimeFigureOut">
               <a:rPr lang="en-US" smtClean="0"/>
-              <a:t>1/31/2021</a:t>
+              <a:t>6/2/2021</a:t>
             </a:fld>
             <a:endParaRPr lang="en-US"/>
           </a:p>
@@ -1834,7 +1834,7 @@
           <a:p>
             <a:fld id="{F73C5C09-D881-4E8C-AF96-8FF3BC27FFB4}" type="datetimeFigureOut">
               <a:rPr lang="en-US" smtClean="0"/>
-              <a:t>1/31/2021</a:t>
+              <a:t>6/2/2021</a:t>
             </a:fld>
             <a:endParaRPr lang="en-US"/>
           </a:p>
@@ -2111,7 +2111,7 @@
           <a:p>
             <a:fld id="{F73C5C09-D881-4E8C-AF96-8FF3BC27FFB4}" type="datetimeFigureOut">
               <a:rPr lang="en-US" smtClean="0"/>
-              <a:t>1/31/2021</a:t>
+              <a:t>6/2/2021</a:t>
             </a:fld>
             <a:endParaRPr lang="en-US"/>
           </a:p>
@@ -2367,7 +2367,7 @@
           <a:p>
             <a:fld id="{F73C5C09-D881-4E8C-AF96-8FF3BC27FFB4}" type="datetimeFigureOut">
               <a:rPr lang="en-US" smtClean="0"/>
-              <a:t>1/31/2021</a:t>
+              <a:t>6/2/2021</a:t>
             </a:fld>
             <a:endParaRPr lang="en-US"/>
           </a:p>
@@ -2580,7 +2580,7 @@
           <a:p>
             <a:fld id="{F73C5C09-D881-4E8C-AF96-8FF3BC27FFB4}" type="datetimeFigureOut">
               <a:rPr lang="en-US" smtClean="0"/>
-              <a:t>1/31/2021</a:t>
+              <a:t>6/2/2021</a:t>
             </a:fld>
             <a:endParaRPr lang="en-US"/>
           </a:p>
@@ -3468,21 +3468,7 @@
                 <a:latin typeface="Arial" panose="020B0604020202020204" pitchFamily="34" charset="0"/>
                 <a:cs typeface="Arial" panose="020B0604020202020204" pitchFamily="34" charset="0"/>
               </a:rPr>
-              <a:t>species via High Performance Liquid Chromatography (HPLC). Samples were taken in biological triplicate, and the average concentration of each metabolite calculated. Species on x-axis are ordered based on phylogenetic relationship determined from chloroplast genome data, and colored circles next to species names indicate phylogenetic clade, as shown </a:t>
-            </a:r>
-            <a:r>
-              <a:rPr lang="en-US" sz="1000">
-                <a:latin typeface="Arial" panose="020B0604020202020204" pitchFamily="34" charset="0"/>
-                <a:cs typeface="Arial" panose="020B0604020202020204" pitchFamily="34" charset="0"/>
-              </a:rPr>
-              <a:t>in Fig. </a:t>
-            </a:r>
-            <a:r>
-              <a:rPr lang="en-US" sz="1000" dirty="0">
-                <a:latin typeface="Arial" panose="020B0604020202020204" pitchFamily="34" charset="0"/>
-                <a:cs typeface="Arial" panose="020B0604020202020204" pitchFamily="34" charset="0"/>
-              </a:rPr>
-              <a:t>1. An empty circle indicates that the species was not included in the tree from Fig. 1.</a:t>
+              <a:t>species via High Performance Liquid Chromatography (HPLC). Samples were taken in biological triplicate, and the average concentration of each metabolite calculated. Species on x-axis are ordered based on phylogenetic relationship determined from chloroplast genome data, and colored circles next to species names indicate phylogenetic clade, as shown in Fig. 1. An empty circle indicates that the species was not included in the tree from Fig. 1.</a:t>
             </a:r>
             <a:endParaRPr lang="en-US" sz="1000" b="1" dirty="0">
               <a:latin typeface="Arial" panose="020B0604020202020204" pitchFamily="34" charset="0"/>

--- a/figures/manuscript/chemodiversity/Figure_legend.pptx
+++ b/figures/manuscript/chemodiversity/Figure_legend.pptx
@@ -9,7 +9,6 @@
     <p:sldId id="270" r:id="rId3"/>
     <p:sldId id="257" r:id="rId4"/>
     <p:sldId id="258" r:id="rId5"/>
-    <p:sldId id="269" r:id="rId6"/>
   </p:sldIdLst>
   <p:sldSz cx="7772400" cy="10058400"/>
   <p:notesSz cx="6858000" cy="9144000"/>
@@ -258,7 +257,7 @@
           <a:p>
             <a:fld id="{F73C5C09-D881-4E8C-AF96-8FF3BC27FFB4}" type="datetimeFigureOut">
               <a:rPr lang="en-US" smtClean="0"/>
-              <a:t>6/2/2021</a:t>
+              <a:t>7/24/2021</a:t>
             </a:fld>
             <a:endParaRPr lang="en-US"/>
           </a:p>
@@ -428,7 +427,7 @@
           <a:p>
             <a:fld id="{F73C5C09-D881-4E8C-AF96-8FF3BC27FFB4}" type="datetimeFigureOut">
               <a:rPr lang="en-US" smtClean="0"/>
-              <a:t>6/2/2021</a:t>
+              <a:t>7/24/2021</a:t>
             </a:fld>
             <a:endParaRPr lang="en-US"/>
           </a:p>
@@ -608,7 +607,7 @@
           <a:p>
             <a:fld id="{F73C5C09-D881-4E8C-AF96-8FF3BC27FFB4}" type="datetimeFigureOut">
               <a:rPr lang="en-US" smtClean="0"/>
-              <a:t>6/2/2021</a:t>
+              <a:t>7/24/2021</a:t>
             </a:fld>
             <a:endParaRPr lang="en-US"/>
           </a:p>
@@ -778,7 +777,7 @@
           <a:p>
             <a:fld id="{F73C5C09-D881-4E8C-AF96-8FF3BC27FFB4}" type="datetimeFigureOut">
               <a:rPr lang="en-US" smtClean="0"/>
-              <a:t>6/2/2021</a:t>
+              <a:t>7/24/2021</a:t>
             </a:fld>
             <a:endParaRPr lang="en-US"/>
           </a:p>
@@ -1022,7 +1021,7 @@
           <a:p>
             <a:fld id="{F73C5C09-D881-4E8C-AF96-8FF3BC27FFB4}" type="datetimeFigureOut">
               <a:rPr lang="en-US" smtClean="0"/>
-              <a:t>6/2/2021</a:t>
+              <a:t>7/24/2021</a:t>
             </a:fld>
             <a:endParaRPr lang="en-US"/>
           </a:p>
@@ -1254,7 +1253,7 @@
           <a:p>
             <a:fld id="{F73C5C09-D881-4E8C-AF96-8FF3BC27FFB4}" type="datetimeFigureOut">
               <a:rPr lang="en-US" smtClean="0"/>
-              <a:t>6/2/2021</a:t>
+              <a:t>7/24/2021</a:t>
             </a:fld>
             <a:endParaRPr lang="en-US"/>
           </a:p>
@@ -1621,7 +1620,7 @@
           <a:p>
             <a:fld id="{F73C5C09-D881-4E8C-AF96-8FF3BC27FFB4}" type="datetimeFigureOut">
               <a:rPr lang="en-US" smtClean="0"/>
-              <a:t>6/2/2021</a:t>
+              <a:t>7/24/2021</a:t>
             </a:fld>
             <a:endParaRPr lang="en-US"/>
           </a:p>
@@ -1739,7 +1738,7 @@
           <a:p>
             <a:fld id="{F73C5C09-D881-4E8C-AF96-8FF3BC27FFB4}" type="datetimeFigureOut">
               <a:rPr lang="en-US" smtClean="0"/>
-              <a:t>6/2/2021</a:t>
+              <a:t>7/24/2021</a:t>
             </a:fld>
             <a:endParaRPr lang="en-US"/>
           </a:p>
@@ -1834,7 +1833,7 @@
           <a:p>
             <a:fld id="{F73C5C09-D881-4E8C-AF96-8FF3BC27FFB4}" type="datetimeFigureOut">
               <a:rPr lang="en-US" smtClean="0"/>
-              <a:t>6/2/2021</a:t>
+              <a:t>7/24/2021</a:t>
             </a:fld>
             <a:endParaRPr lang="en-US"/>
           </a:p>
@@ -2111,7 +2110,7 @@
           <a:p>
             <a:fld id="{F73C5C09-D881-4E8C-AF96-8FF3BC27FFB4}" type="datetimeFigureOut">
               <a:rPr lang="en-US" smtClean="0"/>
-              <a:t>6/2/2021</a:t>
+              <a:t>7/24/2021</a:t>
             </a:fld>
             <a:endParaRPr lang="en-US"/>
           </a:p>
@@ -2367,7 +2366,7 @@
           <a:p>
             <a:fld id="{F73C5C09-D881-4E8C-AF96-8FF3BC27FFB4}" type="datetimeFigureOut">
               <a:rPr lang="en-US" smtClean="0"/>
-              <a:t>6/2/2021</a:t>
+              <a:t>7/24/2021</a:t>
             </a:fld>
             <a:endParaRPr lang="en-US"/>
           </a:p>
@@ -2580,7 +2579,7 @@
           <a:p>
             <a:fld id="{F73C5C09-D881-4E8C-AF96-8FF3BC27FFB4}" type="datetimeFigureOut">
               <a:rPr lang="en-US" smtClean="0"/>
-              <a:t>6/2/2021</a:t>
+              <a:t>7/24/2021</a:t>
             </a:fld>
             <a:endParaRPr lang="en-US"/>
           </a:p>
@@ -3350,10 +3349,10 @@
       </p:sp>
       <p:pic>
         <p:nvPicPr>
-          <p:cNvPr id="3" name="Picture 2" descr="Chart, diagram&#10;&#10;Description automatically generated">
+          <p:cNvPr id="4" name="Picture 3" descr="Diagram&#10;&#10;Description automatically generated">
             <a:extLst>
               <a:ext uri="{FF2B5EF4-FFF2-40B4-BE49-F238E27FC236}">
-                <a16:creationId xmlns:a16="http://schemas.microsoft.com/office/drawing/2014/main" id="{E0176C19-F3D1-4FFE-ABBC-0406FE10C210}"/>
+                <a16:creationId xmlns:a16="http://schemas.microsoft.com/office/drawing/2014/main" id="{A3207C4C-6F1F-4753-A494-5883586B2256}"/>
               </a:ext>
             </a:extLst>
           </p:cNvPr>
@@ -3376,8 +3375,8 @@
         </p:blipFill>
         <p:spPr>
           <a:xfrm>
-            <a:off x="531428" y="304800"/>
-            <a:ext cx="6709544" cy="7866362"/>
+            <a:off x="360662" y="203959"/>
+            <a:ext cx="7051075" cy="8223225"/>
           </a:xfrm>
           <a:prstGeom prst="rect">
             <a:avLst/>
@@ -3479,10 +3478,10 @@
       </p:sp>
       <p:pic>
         <p:nvPicPr>
-          <p:cNvPr id="4" name="Picture 3" descr="Chart&#10;&#10;Description automatically generated">
+          <p:cNvPr id="3" name="Picture 2" descr="Chart&#10;&#10;Description automatically generated">
             <a:extLst>
               <a:ext uri="{FF2B5EF4-FFF2-40B4-BE49-F238E27FC236}">
-                <a16:creationId xmlns:a16="http://schemas.microsoft.com/office/drawing/2014/main" id="{7E08F687-248C-4AC1-AA88-C643B60BB3FA}"/>
+                <a16:creationId xmlns:a16="http://schemas.microsoft.com/office/drawing/2014/main" id="{B7430634-26E8-4680-88B1-589AB5EB56EC}"/>
               </a:ext>
             </a:extLst>
           </p:cNvPr>
@@ -3505,8 +3504,8 @@
         </p:blipFill>
         <p:spPr>
           <a:xfrm>
-            <a:off x="272092" y="451104"/>
-            <a:ext cx="7228213" cy="8609560"/>
+            <a:off x="285745" y="411457"/>
+            <a:ext cx="7200907" cy="8939057"/>
           </a:xfrm>
           <a:prstGeom prst="rect">
             <a:avLst/>
@@ -3517,145 +3516,6 @@
     <p:extLst>
       <p:ext uri="{BB962C8B-B14F-4D97-AF65-F5344CB8AC3E}">
         <p14:creationId xmlns:p14="http://schemas.microsoft.com/office/powerpoint/2010/main" val="1866797087"/>
-      </p:ext>
-    </p:extLst>
-  </p:cSld>
-  <p:clrMapOvr>
-    <a:masterClrMapping/>
-  </p:clrMapOvr>
-</p:sld>
-</file>
-
-<file path=ppt/slides/slide5.xml><?xml version="1.0" encoding="utf-8"?>
-<p:sld xmlns:a="http://schemas.openxmlformats.org/drawingml/2006/main" xmlns:r="http://schemas.openxmlformats.org/officeDocument/2006/relationships" xmlns:p="http://schemas.openxmlformats.org/presentationml/2006/main">
-  <p:cSld>
-    <p:spTree>
-      <p:nvGrpSpPr>
-        <p:cNvPr id="1" name=""/>
-        <p:cNvGrpSpPr/>
-        <p:nvPr/>
-      </p:nvGrpSpPr>
-      <p:grpSpPr>
-        <a:xfrm>
-          <a:off x="0" y="0"/>
-          <a:ext cx="0" cy="0"/>
-          <a:chOff x="0" y="0"/>
-          <a:chExt cx="0" cy="0"/>
-        </a:xfrm>
-      </p:grpSpPr>
-      <p:sp>
-        <p:nvSpPr>
-          <p:cNvPr id="11" name="TextBox 10">
-            <a:extLst>
-              <a:ext uri="{FF2B5EF4-FFF2-40B4-BE49-F238E27FC236}">
-                <a16:creationId xmlns:a16="http://schemas.microsoft.com/office/drawing/2014/main" id="{4FDED5DB-707F-40A4-B887-231DE408A25E}"/>
-              </a:ext>
-            </a:extLst>
-          </p:cNvPr>
-          <p:cNvSpPr txBox="1"/>
-          <p:nvPr/>
-        </p:nvSpPr>
-        <p:spPr>
-          <a:xfrm>
-            <a:off x="0" y="9196574"/>
-            <a:ext cx="7772400" cy="861774"/>
-          </a:xfrm>
-          <a:prstGeom prst="rect">
-            <a:avLst/>
-          </a:prstGeom>
-          <a:noFill/>
-        </p:spPr>
-        <p:txBody>
-          <a:bodyPr wrap="square" rtlCol="0">
-            <a:spAutoFit/>
-          </a:bodyPr>
-          <a:lstStyle/>
-          <a:p>
-            <a:r>
-              <a:rPr lang="en-US" sz="1000" b="1" dirty="0">
-                <a:latin typeface="Arial" panose="020B0604020202020204" pitchFamily="34" charset="0"/>
-                <a:cs typeface="Arial" panose="020B0604020202020204" pitchFamily="34" charset="0"/>
-              </a:rPr>
-              <a:t>Figure 5. </a:t>
-            </a:r>
-            <a:r>
-              <a:rPr lang="en-US" sz="1000" dirty="0">
-                <a:latin typeface="Arial" panose="020B0604020202020204" pitchFamily="34" charset="0"/>
-                <a:cs typeface="Arial" panose="020B0604020202020204" pitchFamily="34" charset="0"/>
-              </a:rPr>
-              <a:t>Organ-specific </a:t>
-            </a:r>
-            <a:r>
-              <a:rPr lang="en-US" sz="1000" dirty="0" err="1">
-                <a:latin typeface="Arial" panose="020B0604020202020204" pitchFamily="34" charset="0"/>
-                <a:cs typeface="Arial" panose="020B0604020202020204" pitchFamily="34" charset="0"/>
-              </a:rPr>
-              <a:t>oroxylinA</a:t>
-            </a:r>
-            <a:r>
-              <a:rPr lang="en-US" sz="1000" dirty="0">
-                <a:latin typeface="Arial" panose="020B0604020202020204" pitchFamily="34" charset="0"/>
-                <a:cs typeface="Arial" panose="020B0604020202020204" pitchFamily="34" charset="0"/>
-              </a:rPr>
-              <a:t> (bottom) and oroxyloside (top) concentrations in 13 </a:t>
-            </a:r>
-            <a:r>
-              <a:rPr lang="en-US" sz="1000" i="1" dirty="0">
-                <a:latin typeface="Arial" panose="020B0604020202020204" pitchFamily="34" charset="0"/>
-                <a:cs typeface="Arial" panose="020B0604020202020204" pitchFamily="34" charset="0"/>
-              </a:rPr>
-              <a:t>Scutellaria </a:t>
-            </a:r>
-            <a:r>
-              <a:rPr lang="en-US" sz="1000" dirty="0">
-                <a:latin typeface="Arial" panose="020B0604020202020204" pitchFamily="34" charset="0"/>
-                <a:cs typeface="Arial" panose="020B0604020202020204" pitchFamily="34" charset="0"/>
-              </a:rPr>
-              <a:t>species, as determined via High Performance Liquid Chromatography (HPLC). Concentrations were averaged from tissue samples taken from 3 biological replicates, and error bars represent standard error. Species are ordered based on phylogenetic relationship determined from chloroplast genome data, and colored circles next to species names indicate phylogenetic clade, as shown in Fig. 1. An empty circle indicates that the species was not included in the tree from Fig. 1.</a:t>
-            </a:r>
-          </a:p>
-        </p:txBody>
-      </p:sp>
-      <p:pic>
-        <p:nvPicPr>
-          <p:cNvPr id="3" name="Picture 2" descr="Chart&#10;&#10;Description automatically generated">
-            <a:extLst>
-              <a:ext uri="{FF2B5EF4-FFF2-40B4-BE49-F238E27FC236}">
-                <a16:creationId xmlns:a16="http://schemas.microsoft.com/office/drawing/2014/main" id="{1FCCF06F-63B0-4598-A53C-20F09D44F956}"/>
-              </a:ext>
-            </a:extLst>
-          </p:cNvPr>
-          <p:cNvPicPr>
-            <a:picLocks noChangeAspect="1"/>
-          </p:cNvPicPr>
-          <p:nvPr/>
-        </p:nvPicPr>
-        <p:blipFill>
-          <a:blip r:embed="rId2">
-            <a:extLst>
-              <a:ext uri="{28A0092B-C50C-407E-A947-70E740481C1C}">
-                <a14:useLocalDpi xmlns:a14="http://schemas.microsoft.com/office/drawing/2010/main" val="0"/>
-              </a:ext>
-            </a:extLst>
-          </a:blip>
-          <a:stretch>
-            <a:fillRect/>
-          </a:stretch>
-        </p:blipFill>
-        <p:spPr>
-          <a:xfrm>
-            <a:off x="650442" y="743712"/>
-            <a:ext cx="6471516" cy="7553400"/>
-          </a:xfrm>
-          <a:prstGeom prst="rect">
-            <a:avLst/>
-          </a:prstGeom>
-        </p:spPr>
-      </p:pic>
-    </p:spTree>
-    <p:extLst>
-      <p:ext uri="{BB962C8B-B14F-4D97-AF65-F5344CB8AC3E}">
-        <p14:creationId xmlns:p14="http://schemas.microsoft.com/office/powerpoint/2010/main" val="3331191493"/>
       </p:ext>
     </p:extLst>
   </p:cSld>
